--- a/pptx/01.pptx
+++ b/pptx/01.pptx
@@ -7,6 +7,7 @@
   <p:sldIdLst>
     <p:sldId id="256" r:id="rId2"/>
     <p:sldId id="257" r:id="rId3"/>
+    <p:sldId id="258" r:id="rId4"/>
   </p:sldIdLst>
   <p:sldSz cx="9144000" cy="6858000" type="screen4x3"/>
   <p:notesSz cx="6858000" cy="9144000"/>
@@ -155,7 +156,7 @@
           </a:lstStyle>
           <a:p>
             <a:r>
-              <a:rPr lang="ja-JP" altLang="en-US" smtClean="0"/>
+              <a:rPr lang="ja-JP" altLang="en-US"/>
               <a:t>マスター タイトルの書式設定</a:t>
             </a:r>
             <a:endParaRPr lang="en-US" dirty="0"/>
@@ -220,7 +221,7 @@
           </a:lstStyle>
           <a:p>
             <a:r>
-              <a:rPr lang="ja-JP" altLang="en-US" smtClean="0"/>
+              <a:rPr lang="ja-JP" altLang="en-US"/>
               <a:t>マスター サブタイトルの書式設定</a:t>
             </a:r>
             <a:endParaRPr lang="en-US" dirty="0"/>
@@ -244,7 +245,7 @@
           <a:p>
             <a:fld id="{BC2274DE-95C5-4714-8F9F-030E1721A603}" type="datetimeFigureOut">
               <a:rPr kumimoji="1" lang="ja-JP" altLang="en-US" smtClean="0"/>
-              <a:t>2016/6/2</a:t>
+              <a:t>2017/3/31</a:t>
             </a:fld>
             <a:endParaRPr kumimoji="1" lang="ja-JP" altLang="en-US"/>
           </a:p>
@@ -338,7 +339,7 @@
           <a:lstStyle/>
           <a:p>
             <a:r>
-              <a:rPr lang="ja-JP" altLang="en-US" smtClean="0"/>
+              <a:rPr lang="ja-JP" altLang="en-US"/>
               <a:t>マスター タイトルの書式設定</a:t>
             </a:r>
             <a:endParaRPr lang="en-US" dirty="0"/>
@@ -362,67 +363,67 @@
           <a:p>
             <a:pPr lvl="0"/>
             <a:r>
-              <a:rPr lang="ja-JP" altLang="en-US" smtClean="0"/>
+              <a:rPr lang="ja-JP" altLang="en-US"/>
               <a:t>マスター テキストの書式設定</a:t>
             </a:r>
           </a:p>
           <a:p>
             <a:pPr lvl="1"/>
             <a:r>
-              <a:rPr lang="ja-JP" altLang="en-US" smtClean="0"/>
+              <a:rPr lang="ja-JP" altLang="en-US"/>
               <a:t>第 </a:t>
             </a:r>
             <a:r>
-              <a:rPr lang="en-US" altLang="ja-JP" smtClean="0"/>
+              <a:rPr lang="en-US" altLang="ja-JP"/>
               <a:t>2 </a:t>
             </a:r>
             <a:r>
-              <a:rPr lang="ja-JP" altLang="en-US" smtClean="0"/>
+              <a:rPr lang="ja-JP" altLang="en-US"/>
               <a:t>レベル</a:t>
             </a:r>
           </a:p>
           <a:p>
             <a:pPr lvl="2"/>
             <a:r>
-              <a:rPr lang="ja-JP" altLang="en-US" smtClean="0"/>
+              <a:rPr lang="ja-JP" altLang="en-US"/>
               <a:t>第 </a:t>
             </a:r>
             <a:r>
-              <a:rPr lang="en-US" altLang="ja-JP" smtClean="0"/>
+              <a:rPr lang="en-US" altLang="ja-JP"/>
               <a:t>3 </a:t>
             </a:r>
             <a:r>
-              <a:rPr lang="ja-JP" altLang="en-US" smtClean="0"/>
+              <a:rPr lang="ja-JP" altLang="en-US"/>
               <a:t>レベル</a:t>
             </a:r>
           </a:p>
           <a:p>
             <a:pPr lvl="3"/>
             <a:r>
-              <a:rPr lang="ja-JP" altLang="en-US" smtClean="0"/>
+              <a:rPr lang="ja-JP" altLang="en-US"/>
               <a:t>第 </a:t>
             </a:r>
             <a:r>
-              <a:rPr lang="en-US" altLang="ja-JP" smtClean="0"/>
+              <a:rPr lang="en-US" altLang="ja-JP"/>
               <a:t>4 </a:t>
             </a:r>
             <a:r>
-              <a:rPr lang="ja-JP" altLang="en-US" smtClean="0"/>
+              <a:rPr lang="ja-JP" altLang="en-US"/>
               <a:t>レベル</a:t>
             </a:r>
           </a:p>
           <a:p>
             <a:pPr lvl="4"/>
             <a:r>
-              <a:rPr lang="ja-JP" altLang="en-US" smtClean="0"/>
+              <a:rPr lang="ja-JP" altLang="en-US"/>
               <a:t>第 </a:t>
             </a:r>
             <a:r>
-              <a:rPr lang="en-US" altLang="ja-JP" smtClean="0"/>
+              <a:rPr lang="en-US" altLang="ja-JP"/>
               <a:t>5 </a:t>
             </a:r>
             <a:r>
-              <a:rPr lang="ja-JP" altLang="en-US" smtClean="0"/>
+              <a:rPr lang="ja-JP" altLang="en-US"/>
               <a:t>レベル</a:t>
             </a:r>
             <a:endParaRPr lang="en-US" dirty="0"/>
@@ -446,7 +447,7 @@
           <a:p>
             <a:fld id="{BC2274DE-95C5-4714-8F9F-030E1721A603}" type="datetimeFigureOut">
               <a:rPr kumimoji="1" lang="ja-JP" altLang="en-US" smtClean="0"/>
-              <a:t>2016/6/2</a:t>
+              <a:t>2017/3/31</a:t>
             </a:fld>
             <a:endParaRPr kumimoji="1" lang="ja-JP" altLang="en-US"/>
           </a:p>
@@ -545,7 +546,7 @@
           <a:lstStyle/>
           <a:p>
             <a:r>
-              <a:rPr lang="ja-JP" altLang="en-US" smtClean="0"/>
+              <a:rPr lang="ja-JP" altLang="en-US"/>
               <a:t>マスター タイトルの書式設定</a:t>
             </a:r>
             <a:endParaRPr lang="en-US" dirty="0"/>
@@ -574,67 +575,67 @@
           <a:p>
             <a:pPr lvl="0"/>
             <a:r>
-              <a:rPr lang="ja-JP" altLang="en-US" smtClean="0"/>
+              <a:rPr lang="ja-JP" altLang="en-US"/>
               <a:t>マスター テキストの書式設定</a:t>
             </a:r>
           </a:p>
           <a:p>
             <a:pPr lvl="1"/>
             <a:r>
-              <a:rPr lang="ja-JP" altLang="en-US" smtClean="0"/>
+              <a:rPr lang="ja-JP" altLang="en-US"/>
               <a:t>第 </a:t>
             </a:r>
             <a:r>
-              <a:rPr lang="en-US" altLang="ja-JP" smtClean="0"/>
+              <a:rPr lang="en-US" altLang="ja-JP"/>
               <a:t>2 </a:t>
             </a:r>
             <a:r>
-              <a:rPr lang="ja-JP" altLang="en-US" smtClean="0"/>
+              <a:rPr lang="ja-JP" altLang="en-US"/>
               <a:t>レベル</a:t>
             </a:r>
           </a:p>
           <a:p>
             <a:pPr lvl="2"/>
             <a:r>
-              <a:rPr lang="ja-JP" altLang="en-US" smtClean="0"/>
+              <a:rPr lang="ja-JP" altLang="en-US"/>
               <a:t>第 </a:t>
             </a:r>
             <a:r>
-              <a:rPr lang="en-US" altLang="ja-JP" smtClean="0"/>
+              <a:rPr lang="en-US" altLang="ja-JP"/>
               <a:t>3 </a:t>
             </a:r>
             <a:r>
-              <a:rPr lang="ja-JP" altLang="en-US" smtClean="0"/>
+              <a:rPr lang="ja-JP" altLang="en-US"/>
               <a:t>レベル</a:t>
             </a:r>
           </a:p>
           <a:p>
             <a:pPr lvl="3"/>
             <a:r>
-              <a:rPr lang="ja-JP" altLang="en-US" smtClean="0"/>
+              <a:rPr lang="ja-JP" altLang="en-US"/>
               <a:t>第 </a:t>
             </a:r>
             <a:r>
-              <a:rPr lang="en-US" altLang="ja-JP" smtClean="0"/>
+              <a:rPr lang="en-US" altLang="ja-JP"/>
               <a:t>4 </a:t>
             </a:r>
             <a:r>
-              <a:rPr lang="ja-JP" altLang="en-US" smtClean="0"/>
+              <a:rPr lang="ja-JP" altLang="en-US"/>
               <a:t>レベル</a:t>
             </a:r>
           </a:p>
           <a:p>
             <a:pPr lvl="4"/>
             <a:r>
-              <a:rPr lang="ja-JP" altLang="en-US" smtClean="0"/>
+              <a:rPr lang="ja-JP" altLang="en-US"/>
               <a:t>第 </a:t>
             </a:r>
             <a:r>
-              <a:rPr lang="en-US" altLang="ja-JP" smtClean="0"/>
+              <a:rPr lang="en-US" altLang="ja-JP"/>
               <a:t>5 </a:t>
             </a:r>
             <a:r>
-              <a:rPr lang="ja-JP" altLang="en-US" smtClean="0"/>
+              <a:rPr lang="ja-JP" altLang="en-US"/>
               <a:t>レベル</a:t>
             </a:r>
             <a:endParaRPr lang="en-US" dirty="0"/>
@@ -658,7 +659,7 @@
           <a:p>
             <a:fld id="{BC2274DE-95C5-4714-8F9F-030E1721A603}" type="datetimeFigureOut">
               <a:rPr kumimoji="1" lang="ja-JP" altLang="en-US" smtClean="0"/>
-              <a:t>2016/6/2</a:t>
+              <a:t>2017/3/31</a:t>
             </a:fld>
             <a:endParaRPr kumimoji="1" lang="ja-JP" altLang="en-US"/>
           </a:p>
@@ -752,7 +753,7 @@
           <a:lstStyle/>
           <a:p>
             <a:r>
-              <a:rPr lang="ja-JP" altLang="en-US" smtClean="0"/>
+              <a:rPr lang="ja-JP" altLang="en-US"/>
               <a:t>マスター タイトルの書式設定</a:t>
             </a:r>
             <a:endParaRPr lang="en-US" dirty="0"/>
@@ -776,67 +777,67 @@
           <a:p>
             <a:pPr lvl="0"/>
             <a:r>
-              <a:rPr lang="ja-JP" altLang="en-US" smtClean="0"/>
+              <a:rPr lang="ja-JP" altLang="en-US"/>
               <a:t>マスター テキストの書式設定</a:t>
             </a:r>
           </a:p>
           <a:p>
             <a:pPr lvl="1"/>
             <a:r>
-              <a:rPr lang="ja-JP" altLang="en-US" smtClean="0"/>
+              <a:rPr lang="ja-JP" altLang="en-US"/>
               <a:t>第 </a:t>
             </a:r>
             <a:r>
-              <a:rPr lang="en-US" altLang="ja-JP" smtClean="0"/>
+              <a:rPr lang="en-US" altLang="ja-JP"/>
               <a:t>2 </a:t>
             </a:r>
             <a:r>
-              <a:rPr lang="ja-JP" altLang="en-US" smtClean="0"/>
+              <a:rPr lang="ja-JP" altLang="en-US"/>
               <a:t>レベル</a:t>
             </a:r>
           </a:p>
           <a:p>
             <a:pPr lvl="2"/>
             <a:r>
-              <a:rPr lang="ja-JP" altLang="en-US" smtClean="0"/>
+              <a:rPr lang="ja-JP" altLang="en-US"/>
               <a:t>第 </a:t>
             </a:r>
             <a:r>
-              <a:rPr lang="en-US" altLang="ja-JP" smtClean="0"/>
+              <a:rPr lang="en-US" altLang="ja-JP"/>
               <a:t>3 </a:t>
             </a:r>
             <a:r>
-              <a:rPr lang="ja-JP" altLang="en-US" smtClean="0"/>
+              <a:rPr lang="ja-JP" altLang="en-US"/>
               <a:t>レベル</a:t>
             </a:r>
           </a:p>
           <a:p>
             <a:pPr lvl="3"/>
             <a:r>
-              <a:rPr lang="ja-JP" altLang="en-US" smtClean="0"/>
+              <a:rPr lang="ja-JP" altLang="en-US"/>
               <a:t>第 </a:t>
             </a:r>
             <a:r>
-              <a:rPr lang="en-US" altLang="ja-JP" smtClean="0"/>
+              <a:rPr lang="en-US" altLang="ja-JP"/>
               <a:t>4 </a:t>
             </a:r>
             <a:r>
-              <a:rPr lang="ja-JP" altLang="en-US" smtClean="0"/>
+              <a:rPr lang="ja-JP" altLang="en-US"/>
               <a:t>レベル</a:t>
             </a:r>
           </a:p>
           <a:p>
             <a:pPr lvl="4"/>
             <a:r>
-              <a:rPr lang="ja-JP" altLang="en-US" smtClean="0"/>
+              <a:rPr lang="ja-JP" altLang="en-US"/>
               <a:t>第 </a:t>
             </a:r>
             <a:r>
-              <a:rPr lang="en-US" altLang="ja-JP" smtClean="0"/>
+              <a:rPr lang="en-US" altLang="ja-JP"/>
               <a:t>5 </a:t>
             </a:r>
             <a:r>
-              <a:rPr lang="ja-JP" altLang="en-US" smtClean="0"/>
+              <a:rPr lang="ja-JP" altLang="en-US"/>
               <a:t>レベル</a:t>
             </a:r>
             <a:endParaRPr lang="en-US" dirty="0"/>
@@ -860,7 +861,7 @@
           <a:p>
             <a:fld id="{BC2274DE-95C5-4714-8F9F-030E1721A603}" type="datetimeFigureOut">
               <a:rPr kumimoji="1" lang="ja-JP" altLang="en-US" smtClean="0"/>
-              <a:t>2016/6/2</a:t>
+              <a:t>2017/3/31</a:t>
             </a:fld>
             <a:endParaRPr kumimoji="1" lang="ja-JP" altLang="en-US"/>
           </a:p>
@@ -963,7 +964,7 @@
           </a:lstStyle>
           <a:p>
             <a:r>
-              <a:rPr lang="ja-JP" altLang="en-US" smtClean="0"/>
+              <a:rPr lang="ja-JP" altLang="en-US"/>
               <a:t>マスター タイトルの書式設定</a:t>
             </a:r>
             <a:endParaRPr lang="en-US" dirty="0"/>
@@ -1081,7 +1082,7 @@
           <a:p>
             <a:pPr lvl="0"/>
             <a:r>
-              <a:rPr lang="ja-JP" altLang="en-US" smtClean="0"/>
+              <a:rPr lang="ja-JP" altLang="en-US"/>
               <a:t>マスター テキストの書式設定</a:t>
             </a:r>
           </a:p>
@@ -1104,7 +1105,7 @@
           <a:p>
             <a:fld id="{BC2274DE-95C5-4714-8F9F-030E1721A603}" type="datetimeFigureOut">
               <a:rPr kumimoji="1" lang="ja-JP" altLang="en-US" smtClean="0"/>
-              <a:t>2016/6/2</a:t>
+              <a:t>2017/3/31</a:t>
             </a:fld>
             <a:endParaRPr kumimoji="1" lang="ja-JP" altLang="en-US"/>
           </a:p>
@@ -1198,7 +1199,7 @@
           <a:lstStyle/>
           <a:p>
             <a:r>
-              <a:rPr lang="ja-JP" altLang="en-US" smtClean="0"/>
+              <a:rPr lang="ja-JP" altLang="en-US"/>
               <a:t>マスター タイトルの書式設定</a:t>
             </a:r>
             <a:endParaRPr lang="en-US" dirty="0"/>
@@ -1227,67 +1228,67 @@
           <a:p>
             <a:pPr lvl="0"/>
             <a:r>
-              <a:rPr lang="ja-JP" altLang="en-US" smtClean="0"/>
+              <a:rPr lang="ja-JP" altLang="en-US"/>
               <a:t>マスター テキストの書式設定</a:t>
             </a:r>
           </a:p>
           <a:p>
             <a:pPr lvl="1"/>
             <a:r>
-              <a:rPr lang="ja-JP" altLang="en-US" smtClean="0"/>
+              <a:rPr lang="ja-JP" altLang="en-US"/>
               <a:t>第 </a:t>
             </a:r>
             <a:r>
-              <a:rPr lang="en-US" altLang="ja-JP" smtClean="0"/>
+              <a:rPr lang="en-US" altLang="ja-JP"/>
               <a:t>2 </a:t>
             </a:r>
             <a:r>
-              <a:rPr lang="ja-JP" altLang="en-US" smtClean="0"/>
+              <a:rPr lang="ja-JP" altLang="en-US"/>
               <a:t>レベル</a:t>
             </a:r>
           </a:p>
           <a:p>
             <a:pPr lvl="2"/>
             <a:r>
-              <a:rPr lang="ja-JP" altLang="en-US" smtClean="0"/>
+              <a:rPr lang="ja-JP" altLang="en-US"/>
               <a:t>第 </a:t>
             </a:r>
             <a:r>
-              <a:rPr lang="en-US" altLang="ja-JP" smtClean="0"/>
+              <a:rPr lang="en-US" altLang="ja-JP"/>
               <a:t>3 </a:t>
             </a:r>
             <a:r>
-              <a:rPr lang="ja-JP" altLang="en-US" smtClean="0"/>
+              <a:rPr lang="ja-JP" altLang="en-US"/>
               <a:t>レベル</a:t>
             </a:r>
           </a:p>
           <a:p>
             <a:pPr lvl="3"/>
             <a:r>
-              <a:rPr lang="ja-JP" altLang="en-US" smtClean="0"/>
+              <a:rPr lang="ja-JP" altLang="en-US"/>
               <a:t>第 </a:t>
             </a:r>
             <a:r>
-              <a:rPr lang="en-US" altLang="ja-JP" smtClean="0"/>
+              <a:rPr lang="en-US" altLang="ja-JP"/>
               <a:t>4 </a:t>
             </a:r>
             <a:r>
-              <a:rPr lang="ja-JP" altLang="en-US" smtClean="0"/>
+              <a:rPr lang="ja-JP" altLang="en-US"/>
               <a:t>レベル</a:t>
             </a:r>
           </a:p>
           <a:p>
             <a:pPr lvl="4"/>
             <a:r>
-              <a:rPr lang="ja-JP" altLang="en-US" smtClean="0"/>
+              <a:rPr lang="ja-JP" altLang="en-US"/>
               <a:t>第 </a:t>
             </a:r>
             <a:r>
-              <a:rPr lang="en-US" altLang="ja-JP" smtClean="0"/>
+              <a:rPr lang="en-US" altLang="ja-JP"/>
               <a:t>5 </a:t>
             </a:r>
             <a:r>
-              <a:rPr lang="ja-JP" altLang="en-US" smtClean="0"/>
+              <a:rPr lang="ja-JP" altLang="en-US"/>
               <a:t>レベル</a:t>
             </a:r>
             <a:endParaRPr lang="en-US" dirty="0"/>
@@ -1316,67 +1317,67 @@
           <a:p>
             <a:pPr lvl="0"/>
             <a:r>
-              <a:rPr lang="ja-JP" altLang="en-US" smtClean="0"/>
+              <a:rPr lang="ja-JP" altLang="en-US"/>
               <a:t>マスター テキストの書式設定</a:t>
             </a:r>
           </a:p>
           <a:p>
             <a:pPr lvl="1"/>
             <a:r>
-              <a:rPr lang="ja-JP" altLang="en-US" smtClean="0"/>
+              <a:rPr lang="ja-JP" altLang="en-US"/>
               <a:t>第 </a:t>
             </a:r>
             <a:r>
-              <a:rPr lang="en-US" altLang="ja-JP" smtClean="0"/>
+              <a:rPr lang="en-US" altLang="ja-JP"/>
               <a:t>2 </a:t>
             </a:r>
             <a:r>
-              <a:rPr lang="ja-JP" altLang="en-US" smtClean="0"/>
+              <a:rPr lang="ja-JP" altLang="en-US"/>
               <a:t>レベル</a:t>
             </a:r>
           </a:p>
           <a:p>
             <a:pPr lvl="2"/>
             <a:r>
-              <a:rPr lang="ja-JP" altLang="en-US" smtClean="0"/>
+              <a:rPr lang="ja-JP" altLang="en-US"/>
               <a:t>第 </a:t>
             </a:r>
             <a:r>
-              <a:rPr lang="en-US" altLang="ja-JP" smtClean="0"/>
+              <a:rPr lang="en-US" altLang="ja-JP"/>
               <a:t>3 </a:t>
             </a:r>
             <a:r>
-              <a:rPr lang="ja-JP" altLang="en-US" smtClean="0"/>
+              <a:rPr lang="ja-JP" altLang="en-US"/>
               <a:t>レベル</a:t>
             </a:r>
           </a:p>
           <a:p>
             <a:pPr lvl="3"/>
             <a:r>
-              <a:rPr lang="ja-JP" altLang="en-US" smtClean="0"/>
+              <a:rPr lang="ja-JP" altLang="en-US"/>
               <a:t>第 </a:t>
             </a:r>
             <a:r>
-              <a:rPr lang="en-US" altLang="ja-JP" smtClean="0"/>
+              <a:rPr lang="en-US" altLang="ja-JP"/>
               <a:t>4 </a:t>
             </a:r>
             <a:r>
-              <a:rPr lang="ja-JP" altLang="en-US" smtClean="0"/>
+              <a:rPr lang="ja-JP" altLang="en-US"/>
               <a:t>レベル</a:t>
             </a:r>
           </a:p>
           <a:p>
             <a:pPr lvl="4"/>
             <a:r>
-              <a:rPr lang="ja-JP" altLang="en-US" smtClean="0"/>
+              <a:rPr lang="ja-JP" altLang="en-US"/>
               <a:t>第 </a:t>
             </a:r>
             <a:r>
-              <a:rPr lang="en-US" altLang="ja-JP" smtClean="0"/>
+              <a:rPr lang="en-US" altLang="ja-JP"/>
               <a:t>5 </a:t>
             </a:r>
             <a:r>
-              <a:rPr lang="ja-JP" altLang="en-US" smtClean="0"/>
+              <a:rPr lang="ja-JP" altLang="en-US"/>
               <a:t>レベル</a:t>
             </a:r>
             <a:endParaRPr lang="en-US" dirty="0"/>
@@ -1400,7 +1401,7 @@
           <a:p>
             <a:fld id="{BC2274DE-95C5-4714-8F9F-030E1721A603}" type="datetimeFigureOut">
               <a:rPr kumimoji="1" lang="ja-JP" altLang="en-US" smtClean="0"/>
-              <a:t>2016/6/2</a:t>
+              <a:t>2017/3/31</a:t>
             </a:fld>
             <a:endParaRPr kumimoji="1" lang="ja-JP" altLang="en-US"/>
           </a:p>
@@ -1499,7 +1500,7 @@
           <a:lstStyle/>
           <a:p>
             <a:r>
-              <a:rPr lang="ja-JP" altLang="en-US" smtClean="0"/>
+              <a:rPr lang="ja-JP" altLang="en-US"/>
               <a:t>マスター タイトルの書式設定</a:t>
             </a:r>
             <a:endParaRPr lang="en-US" dirty="0"/>
@@ -1565,7 +1566,7 @@
           <a:p>
             <a:pPr lvl="0"/>
             <a:r>
-              <a:rPr lang="ja-JP" altLang="en-US" smtClean="0"/>
+              <a:rPr lang="ja-JP" altLang="en-US"/>
               <a:t>マスター テキストの書式設定</a:t>
             </a:r>
           </a:p>
@@ -1593,67 +1594,67 @@
           <a:p>
             <a:pPr lvl="0"/>
             <a:r>
-              <a:rPr lang="ja-JP" altLang="en-US" smtClean="0"/>
+              <a:rPr lang="ja-JP" altLang="en-US"/>
               <a:t>マスター テキストの書式設定</a:t>
             </a:r>
           </a:p>
           <a:p>
             <a:pPr lvl="1"/>
             <a:r>
-              <a:rPr lang="ja-JP" altLang="en-US" smtClean="0"/>
+              <a:rPr lang="ja-JP" altLang="en-US"/>
               <a:t>第 </a:t>
             </a:r>
             <a:r>
-              <a:rPr lang="en-US" altLang="ja-JP" smtClean="0"/>
+              <a:rPr lang="en-US" altLang="ja-JP"/>
               <a:t>2 </a:t>
             </a:r>
             <a:r>
-              <a:rPr lang="ja-JP" altLang="en-US" smtClean="0"/>
+              <a:rPr lang="ja-JP" altLang="en-US"/>
               <a:t>レベル</a:t>
             </a:r>
           </a:p>
           <a:p>
             <a:pPr lvl="2"/>
             <a:r>
-              <a:rPr lang="ja-JP" altLang="en-US" smtClean="0"/>
+              <a:rPr lang="ja-JP" altLang="en-US"/>
               <a:t>第 </a:t>
             </a:r>
             <a:r>
-              <a:rPr lang="en-US" altLang="ja-JP" smtClean="0"/>
+              <a:rPr lang="en-US" altLang="ja-JP"/>
               <a:t>3 </a:t>
             </a:r>
             <a:r>
-              <a:rPr lang="ja-JP" altLang="en-US" smtClean="0"/>
+              <a:rPr lang="ja-JP" altLang="en-US"/>
               <a:t>レベル</a:t>
             </a:r>
           </a:p>
           <a:p>
             <a:pPr lvl="3"/>
             <a:r>
-              <a:rPr lang="ja-JP" altLang="en-US" smtClean="0"/>
+              <a:rPr lang="ja-JP" altLang="en-US"/>
               <a:t>第 </a:t>
             </a:r>
             <a:r>
-              <a:rPr lang="en-US" altLang="ja-JP" smtClean="0"/>
+              <a:rPr lang="en-US" altLang="ja-JP"/>
               <a:t>4 </a:t>
             </a:r>
             <a:r>
-              <a:rPr lang="ja-JP" altLang="en-US" smtClean="0"/>
+              <a:rPr lang="ja-JP" altLang="en-US"/>
               <a:t>レベル</a:t>
             </a:r>
           </a:p>
           <a:p>
             <a:pPr lvl="4"/>
             <a:r>
-              <a:rPr lang="ja-JP" altLang="en-US" smtClean="0"/>
+              <a:rPr lang="ja-JP" altLang="en-US"/>
               <a:t>第 </a:t>
             </a:r>
             <a:r>
-              <a:rPr lang="en-US" altLang="ja-JP" smtClean="0"/>
+              <a:rPr lang="en-US" altLang="ja-JP"/>
               <a:t>5 </a:t>
             </a:r>
             <a:r>
-              <a:rPr lang="ja-JP" altLang="en-US" smtClean="0"/>
+              <a:rPr lang="ja-JP" altLang="en-US"/>
               <a:t>レベル</a:t>
             </a:r>
             <a:endParaRPr lang="en-US" dirty="0"/>
@@ -1719,7 +1720,7 @@
           <a:p>
             <a:pPr lvl="0"/>
             <a:r>
-              <a:rPr lang="ja-JP" altLang="en-US" smtClean="0"/>
+              <a:rPr lang="ja-JP" altLang="en-US"/>
               <a:t>マスター テキストの書式設定</a:t>
             </a:r>
           </a:p>
@@ -1747,67 +1748,67 @@
           <a:p>
             <a:pPr lvl="0"/>
             <a:r>
-              <a:rPr lang="ja-JP" altLang="en-US" smtClean="0"/>
+              <a:rPr lang="ja-JP" altLang="en-US"/>
               <a:t>マスター テキストの書式設定</a:t>
             </a:r>
           </a:p>
           <a:p>
             <a:pPr lvl="1"/>
             <a:r>
-              <a:rPr lang="ja-JP" altLang="en-US" smtClean="0"/>
+              <a:rPr lang="ja-JP" altLang="en-US"/>
               <a:t>第 </a:t>
             </a:r>
             <a:r>
-              <a:rPr lang="en-US" altLang="ja-JP" smtClean="0"/>
+              <a:rPr lang="en-US" altLang="ja-JP"/>
               <a:t>2 </a:t>
             </a:r>
             <a:r>
-              <a:rPr lang="ja-JP" altLang="en-US" smtClean="0"/>
+              <a:rPr lang="ja-JP" altLang="en-US"/>
               <a:t>レベル</a:t>
             </a:r>
           </a:p>
           <a:p>
             <a:pPr lvl="2"/>
             <a:r>
-              <a:rPr lang="ja-JP" altLang="en-US" smtClean="0"/>
+              <a:rPr lang="ja-JP" altLang="en-US"/>
               <a:t>第 </a:t>
             </a:r>
             <a:r>
-              <a:rPr lang="en-US" altLang="ja-JP" smtClean="0"/>
+              <a:rPr lang="en-US" altLang="ja-JP"/>
               <a:t>3 </a:t>
             </a:r>
             <a:r>
-              <a:rPr lang="ja-JP" altLang="en-US" smtClean="0"/>
+              <a:rPr lang="ja-JP" altLang="en-US"/>
               <a:t>レベル</a:t>
             </a:r>
           </a:p>
           <a:p>
             <a:pPr lvl="3"/>
             <a:r>
-              <a:rPr lang="ja-JP" altLang="en-US" smtClean="0"/>
+              <a:rPr lang="ja-JP" altLang="en-US"/>
               <a:t>第 </a:t>
             </a:r>
             <a:r>
-              <a:rPr lang="en-US" altLang="ja-JP" smtClean="0"/>
+              <a:rPr lang="en-US" altLang="ja-JP"/>
               <a:t>4 </a:t>
             </a:r>
             <a:r>
-              <a:rPr lang="ja-JP" altLang="en-US" smtClean="0"/>
+              <a:rPr lang="ja-JP" altLang="en-US"/>
               <a:t>レベル</a:t>
             </a:r>
           </a:p>
           <a:p>
             <a:pPr lvl="4"/>
             <a:r>
-              <a:rPr lang="ja-JP" altLang="en-US" smtClean="0"/>
+              <a:rPr lang="ja-JP" altLang="en-US"/>
               <a:t>第 </a:t>
             </a:r>
             <a:r>
-              <a:rPr lang="en-US" altLang="ja-JP" smtClean="0"/>
+              <a:rPr lang="en-US" altLang="ja-JP"/>
               <a:t>5 </a:t>
             </a:r>
             <a:r>
-              <a:rPr lang="ja-JP" altLang="en-US" smtClean="0"/>
+              <a:rPr lang="ja-JP" altLang="en-US"/>
               <a:t>レベル</a:t>
             </a:r>
             <a:endParaRPr lang="en-US" dirty="0"/>
@@ -1831,7 +1832,7 @@
           <a:p>
             <a:fld id="{BC2274DE-95C5-4714-8F9F-030E1721A603}" type="datetimeFigureOut">
               <a:rPr kumimoji="1" lang="ja-JP" altLang="en-US" smtClean="0"/>
-              <a:t>2016/6/2</a:t>
+              <a:t>2017/3/31</a:t>
             </a:fld>
             <a:endParaRPr kumimoji="1" lang="ja-JP" altLang="en-US"/>
           </a:p>
@@ -1925,7 +1926,7 @@
           <a:lstStyle/>
           <a:p>
             <a:r>
-              <a:rPr lang="ja-JP" altLang="en-US" smtClean="0"/>
+              <a:rPr lang="ja-JP" altLang="en-US"/>
               <a:t>マスター タイトルの書式設定</a:t>
             </a:r>
             <a:endParaRPr lang="en-US" dirty="0"/>
@@ -1949,7 +1950,7 @@
           <a:p>
             <a:fld id="{BC2274DE-95C5-4714-8F9F-030E1721A603}" type="datetimeFigureOut">
               <a:rPr kumimoji="1" lang="ja-JP" altLang="en-US" smtClean="0"/>
-              <a:t>2016/6/2</a:t>
+              <a:t>2017/3/31</a:t>
             </a:fld>
             <a:endParaRPr kumimoji="1" lang="ja-JP" altLang="en-US"/>
           </a:p>
@@ -2044,7 +2045,7 @@
           <a:p>
             <a:fld id="{BC2274DE-95C5-4714-8F9F-030E1721A603}" type="datetimeFigureOut">
               <a:rPr kumimoji="1" lang="ja-JP" altLang="en-US" smtClean="0"/>
-              <a:t>2016/6/2</a:t>
+              <a:t>2017/3/31</a:t>
             </a:fld>
             <a:endParaRPr kumimoji="1" lang="ja-JP" altLang="en-US"/>
           </a:p>
@@ -2147,7 +2148,7 @@
           </a:lstStyle>
           <a:p>
             <a:r>
-              <a:rPr lang="ja-JP" altLang="en-US" smtClean="0"/>
+              <a:rPr lang="ja-JP" altLang="en-US"/>
               <a:t>マスター タイトルの書式設定</a:t>
             </a:r>
             <a:endParaRPr lang="en-US" dirty="0"/>
@@ -2204,67 +2205,67 @@
           <a:p>
             <a:pPr lvl="0"/>
             <a:r>
-              <a:rPr lang="ja-JP" altLang="en-US" smtClean="0"/>
+              <a:rPr lang="ja-JP" altLang="en-US"/>
               <a:t>マスター テキストの書式設定</a:t>
             </a:r>
           </a:p>
           <a:p>
             <a:pPr lvl="1"/>
             <a:r>
-              <a:rPr lang="ja-JP" altLang="en-US" smtClean="0"/>
+              <a:rPr lang="ja-JP" altLang="en-US"/>
               <a:t>第 </a:t>
             </a:r>
             <a:r>
-              <a:rPr lang="en-US" altLang="ja-JP" smtClean="0"/>
+              <a:rPr lang="en-US" altLang="ja-JP"/>
               <a:t>2 </a:t>
             </a:r>
             <a:r>
-              <a:rPr lang="ja-JP" altLang="en-US" smtClean="0"/>
+              <a:rPr lang="ja-JP" altLang="en-US"/>
               <a:t>レベル</a:t>
             </a:r>
           </a:p>
           <a:p>
             <a:pPr lvl="2"/>
             <a:r>
-              <a:rPr lang="ja-JP" altLang="en-US" smtClean="0"/>
+              <a:rPr lang="ja-JP" altLang="en-US"/>
               <a:t>第 </a:t>
             </a:r>
             <a:r>
-              <a:rPr lang="en-US" altLang="ja-JP" smtClean="0"/>
+              <a:rPr lang="en-US" altLang="ja-JP"/>
               <a:t>3 </a:t>
             </a:r>
             <a:r>
-              <a:rPr lang="ja-JP" altLang="en-US" smtClean="0"/>
+              <a:rPr lang="ja-JP" altLang="en-US"/>
               <a:t>レベル</a:t>
             </a:r>
           </a:p>
           <a:p>
             <a:pPr lvl="3"/>
             <a:r>
-              <a:rPr lang="ja-JP" altLang="en-US" smtClean="0"/>
+              <a:rPr lang="ja-JP" altLang="en-US"/>
               <a:t>第 </a:t>
             </a:r>
             <a:r>
-              <a:rPr lang="en-US" altLang="ja-JP" smtClean="0"/>
+              <a:rPr lang="en-US" altLang="ja-JP"/>
               <a:t>4 </a:t>
             </a:r>
             <a:r>
-              <a:rPr lang="ja-JP" altLang="en-US" smtClean="0"/>
+              <a:rPr lang="ja-JP" altLang="en-US"/>
               <a:t>レベル</a:t>
             </a:r>
           </a:p>
           <a:p>
             <a:pPr lvl="4"/>
             <a:r>
-              <a:rPr lang="ja-JP" altLang="en-US" smtClean="0"/>
+              <a:rPr lang="ja-JP" altLang="en-US"/>
               <a:t>第 </a:t>
             </a:r>
             <a:r>
-              <a:rPr lang="en-US" altLang="ja-JP" smtClean="0"/>
+              <a:rPr lang="en-US" altLang="ja-JP"/>
               <a:t>5 </a:t>
             </a:r>
             <a:r>
-              <a:rPr lang="ja-JP" altLang="en-US" smtClean="0"/>
+              <a:rPr lang="ja-JP" altLang="en-US"/>
               <a:t>レベル</a:t>
             </a:r>
             <a:endParaRPr lang="en-US" dirty="0"/>
@@ -2330,7 +2331,7 @@
           <a:p>
             <a:pPr lvl="0"/>
             <a:r>
-              <a:rPr lang="ja-JP" altLang="en-US" smtClean="0"/>
+              <a:rPr lang="ja-JP" altLang="en-US"/>
               <a:t>マスター テキストの書式設定</a:t>
             </a:r>
           </a:p>
@@ -2353,7 +2354,7 @@
           <a:p>
             <a:fld id="{BC2274DE-95C5-4714-8F9F-030E1721A603}" type="datetimeFigureOut">
               <a:rPr kumimoji="1" lang="ja-JP" altLang="en-US" smtClean="0"/>
-              <a:t>2016/6/2</a:t>
+              <a:t>2017/3/31</a:t>
             </a:fld>
             <a:endParaRPr kumimoji="1" lang="ja-JP" altLang="en-US"/>
           </a:p>
@@ -2456,7 +2457,7 @@
           </a:lstStyle>
           <a:p>
             <a:r>
-              <a:rPr lang="ja-JP" altLang="en-US" smtClean="0"/>
+              <a:rPr lang="ja-JP" altLang="en-US"/>
               <a:t>マスター タイトルの書式設定</a:t>
             </a:r>
             <a:endParaRPr lang="en-US" dirty="0"/>
@@ -2521,7 +2522,7 @@
           </a:lstStyle>
           <a:p>
             <a:r>
-              <a:rPr lang="ja-JP" altLang="en-US" smtClean="0"/>
+              <a:rPr lang="ja-JP" altLang="en-US"/>
               <a:t>図を追加</a:t>
             </a:r>
             <a:endParaRPr lang="en-US" dirty="0"/>
@@ -2587,7 +2588,7 @@
           <a:p>
             <a:pPr lvl="0"/>
             <a:r>
-              <a:rPr lang="ja-JP" altLang="en-US" smtClean="0"/>
+              <a:rPr lang="ja-JP" altLang="en-US"/>
               <a:t>マスター テキストの書式設定</a:t>
             </a:r>
           </a:p>
@@ -2610,7 +2611,7 @@
           <a:p>
             <a:fld id="{BC2274DE-95C5-4714-8F9F-030E1721A603}" type="datetimeFigureOut">
               <a:rPr kumimoji="1" lang="ja-JP" altLang="en-US" smtClean="0"/>
-              <a:t>2016/6/2</a:t>
+              <a:t>2017/3/31</a:t>
             </a:fld>
             <a:endParaRPr kumimoji="1" lang="ja-JP" altLang="en-US"/>
           </a:p>
@@ -2719,7 +2720,7 @@
           <a:lstStyle/>
           <a:p>
             <a:r>
-              <a:rPr lang="ja-JP" altLang="en-US" smtClean="0"/>
+              <a:rPr lang="ja-JP" altLang="en-US"/>
               <a:t>マスター タイトルの書式設定</a:t>
             </a:r>
             <a:endParaRPr lang="en-US" dirty="0"/>
@@ -2753,67 +2754,67 @@
           <a:p>
             <a:pPr lvl="0"/>
             <a:r>
-              <a:rPr lang="ja-JP" altLang="en-US" smtClean="0"/>
+              <a:rPr lang="ja-JP" altLang="en-US"/>
               <a:t>マスター テキストの書式設定</a:t>
             </a:r>
           </a:p>
           <a:p>
             <a:pPr lvl="1"/>
             <a:r>
-              <a:rPr lang="ja-JP" altLang="en-US" smtClean="0"/>
+              <a:rPr lang="ja-JP" altLang="en-US"/>
               <a:t>第 </a:t>
             </a:r>
             <a:r>
-              <a:rPr lang="en-US" altLang="ja-JP" smtClean="0"/>
+              <a:rPr lang="en-US" altLang="ja-JP"/>
               <a:t>2 </a:t>
             </a:r>
             <a:r>
-              <a:rPr lang="ja-JP" altLang="en-US" smtClean="0"/>
+              <a:rPr lang="ja-JP" altLang="en-US"/>
               <a:t>レベル</a:t>
             </a:r>
           </a:p>
           <a:p>
             <a:pPr lvl="2"/>
             <a:r>
-              <a:rPr lang="ja-JP" altLang="en-US" smtClean="0"/>
+              <a:rPr lang="ja-JP" altLang="en-US"/>
               <a:t>第 </a:t>
             </a:r>
             <a:r>
-              <a:rPr lang="en-US" altLang="ja-JP" smtClean="0"/>
+              <a:rPr lang="en-US" altLang="ja-JP"/>
               <a:t>3 </a:t>
             </a:r>
             <a:r>
-              <a:rPr lang="ja-JP" altLang="en-US" smtClean="0"/>
+              <a:rPr lang="ja-JP" altLang="en-US"/>
               <a:t>レベル</a:t>
             </a:r>
           </a:p>
           <a:p>
             <a:pPr lvl="3"/>
             <a:r>
-              <a:rPr lang="ja-JP" altLang="en-US" smtClean="0"/>
+              <a:rPr lang="ja-JP" altLang="en-US"/>
               <a:t>第 </a:t>
             </a:r>
             <a:r>
-              <a:rPr lang="en-US" altLang="ja-JP" smtClean="0"/>
+              <a:rPr lang="en-US" altLang="ja-JP"/>
               <a:t>4 </a:t>
             </a:r>
             <a:r>
-              <a:rPr lang="ja-JP" altLang="en-US" smtClean="0"/>
+              <a:rPr lang="ja-JP" altLang="en-US"/>
               <a:t>レベル</a:t>
             </a:r>
           </a:p>
           <a:p>
             <a:pPr lvl="4"/>
             <a:r>
-              <a:rPr lang="ja-JP" altLang="en-US" smtClean="0"/>
+              <a:rPr lang="ja-JP" altLang="en-US"/>
               <a:t>第 </a:t>
             </a:r>
             <a:r>
-              <a:rPr lang="en-US" altLang="ja-JP" smtClean="0"/>
+              <a:rPr lang="en-US" altLang="ja-JP"/>
               <a:t>5 </a:t>
             </a:r>
             <a:r>
-              <a:rPr lang="ja-JP" altLang="en-US" smtClean="0"/>
+              <a:rPr lang="ja-JP" altLang="en-US"/>
               <a:t>レベル</a:t>
             </a:r>
             <a:endParaRPr lang="en-US" dirty="0"/>
@@ -2855,7 +2856,7 @@
           <a:p>
             <a:fld id="{BC2274DE-95C5-4714-8F9F-030E1721A603}" type="datetimeFigureOut">
               <a:rPr kumimoji="1" lang="ja-JP" altLang="en-US" smtClean="0"/>
-              <a:t>2016/6/2</a:t>
+              <a:t>2017/3/31</a:t>
             </a:fld>
             <a:endParaRPr kumimoji="1" lang="ja-JP" altLang="en-US"/>
           </a:p>
@@ -3398,14 +3399,14 @@
           <a:p>
             <a:pPr algn="ctr"/>
             <a:r>
-              <a:rPr lang="ja-JP" altLang="en-US" sz="1200" dirty="0" smtClean="0">
+              <a:rPr lang="ja-JP" altLang="en-US" sz="1200" dirty="0">
                 <a:latin typeface="メイリオ" panose="020B0604030504040204" pitchFamily="50" charset="-128"/>
                 <a:ea typeface="メイリオ" panose="020B0604030504040204" pitchFamily="50" charset="-128"/>
                 <a:cs typeface="メイリオ" panose="020B0604030504040204" pitchFamily="50" charset="-128"/>
               </a:rPr>
               <a:t>アプリケーション</a:t>
             </a:r>
-            <a:endParaRPr lang="en-US" altLang="ja-JP" sz="1200" dirty="0" smtClean="0">
+            <a:endParaRPr lang="en-US" altLang="ja-JP" sz="1200" dirty="0">
               <a:latin typeface="メイリオ" panose="020B0604030504040204" pitchFamily="50" charset="-128"/>
               <a:ea typeface="メイリオ" panose="020B0604030504040204" pitchFamily="50" charset="-128"/>
               <a:cs typeface="メイリオ" panose="020B0604030504040204" pitchFamily="50" charset="-128"/>
@@ -3414,18 +3415,13 @@
           <a:p>
             <a:pPr algn="ctr"/>
             <a:r>
-              <a:rPr lang="ja-JP" altLang="en-US" sz="1200" dirty="0" smtClean="0">
+              <a:rPr lang="ja-JP" altLang="en-US" sz="1200" dirty="0">
                 <a:latin typeface="メイリオ" panose="020B0604030504040204" pitchFamily="50" charset="-128"/>
                 <a:ea typeface="メイリオ" panose="020B0604030504040204" pitchFamily="50" charset="-128"/>
                 <a:cs typeface="メイリオ" panose="020B0604030504040204" pitchFamily="50" charset="-128"/>
               </a:rPr>
               <a:t>プロセス</a:t>
             </a:r>
-            <a:endParaRPr lang="ja-JP" altLang="en-US" sz="1200" dirty="0">
-              <a:latin typeface="メイリオ" panose="020B0604030504040204" pitchFamily="50" charset="-128"/>
-              <a:ea typeface="メイリオ" panose="020B0604030504040204" pitchFamily="50" charset="-128"/>
-              <a:cs typeface="メイリオ" panose="020B0604030504040204" pitchFamily="50" charset="-128"/>
-            </a:endParaRPr>
           </a:p>
         </p:txBody>
       </p:sp>
@@ -3469,14 +3465,14 @@
           <a:p>
             <a:pPr algn="ctr"/>
             <a:r>
-              <a:rPr lang="ja-JP" altLang="en-US" sz="1200" dirty="0" smtClean="0">
+              <a:rPr lang="ja-JP" altLang="en-US" sz="1200" dirty="0">
                 <a:latin typeface="メイリオ" panose="020B0604030504040204" pitchFamily="50" charset="-128"/>
                 <a:ea typeface="メイリオ" panose="020B0604030504040204" pitchFamily="50" charset="-128"/>
                 <a:cs typeface="メイリオ" panose="020B0604030504040204" pitchFamily="50" charset="-128"/>
               </a:rPr>
               <a:t>データベース</a:t>
             </a:r>
-            <a:endParaRPr lang="en-US" altLang="ja-JP" sz="1200" dirty="0" smtClean="0">
+            <a:endParaRPr lang="en-US" altLang="ja-JP" sz="1200" dirty="0">
               <a:latin typeface="メイリオ" panose="020B0604030504040204" pitchFamily="50" charset="-128"/>
               <a:ea typeface="メイリオ" panose="020B0604030504040204" pitchFamily="50" charset="-128"/>
               <a:cs typeface="メイリオ" panose="020B0604030504040204" pitchFamily="50" charset="-128"/>
@@ -3650,7 +3646,7 @@
           <a:lstStyle/>
           <a:p>
             <a:r>
-              <a:rPr kumimoji="1" lang="en-US" altLang="ja-JP" sz="1400" dirty="0" smtClean="0">
+              <a:rPr kumimoji="1" lang="en-US" altLang="ja-JP" sz="1400" dirty="0">
                 <a:latin typeface="メイリオ" panose="020B0604030504040204" pitchFamily="50" charset="-128"/>
                 <a:ea typeface="メイリオ" panose="020B0604030504040204" pitchFamily="50" charset="-128"/>
                 <a:cs typeface="メイリオ" panose="020B0604030504040204" pitchFamily="50" charset="-128"/>
@@ -3658,18 +3654,13 @@
               <a:t>DB</a:t>
             </a:r>
             <a:r>
-              <a:rPr kumimoji="1" lang="ja-JP" altLang="en-US" sz="1400" dirty="0" smtClean="0">
+              <a:rPr kumimoji="1" lang="ja-JP" altLang="en-US" sz="1400" dirty="0">
                 <a:latin typeface="メイリオ" panose="020B0604030504040204" pitchFamily="50" charset="-128"/>
                 <a:ea typeface="メイリオ" panose="020B0604030504040204" pitchFamily="50" charset="-128"/>
                 <a:cs typeface="メイリオ" panose="020B0604030504040204" pitchFamily="50" charset="-128"/>
               </a:rPr>
               <a:t>の世界</a:t>
             </a:r>
-            <a:endParaRPr kumimoji="1" lang="ja-JP" altLang="en-US" sz="1400" dirty="0">
-              <a:latin typeface="メイリオ" panose="020B0604030504040204" pitchFamily="50" charset="-128"/>
-              <a:ea typeface="メイリオ" panose="020B0604030504040204" pitchFamily="50" charset="-128"/>
-              <a:cs typeface="メイリオ" panose="020B0604030504040204" pitchFamily="50" charset="-128"/>
-            </a:endParaRPr>
           </a:p>
         </p:txBody>
       </p:sp>
@@ -3704,18 +3695,13 @@
               <a:t>アプリケーション</a:t>
             </a:r>
             <a:r>
-              <a:rPr kumimoji="1" lang="ja-JP" altLang="en-US" sz="1400" dirty="0" smtClean="0">
+              <a:rPr kumimoji="1" lang="ja-JP" altLang="en-US" sz="1400" dirty="0">
                 <a:latin typeface="メイリオ" panose="020B0604030504040204" pitchFamily="50" charset="-128"/>
                 <a:ea typeface="メイリオ" panose="020B0604030504040204" pitchFamily="50" charset="-128"/>
                 <a:cs typeface="メイリオ" panose="020B0604030504040204" pitchFamily="50" charset="-128"/>
               </a:rPr>
               <a:t>の世界</a:t>
             </a:r>
-            <a:endParaRPr kumimoji="1" lang="ja-JP" altLang="en-US" sz="1400" dirty="0">
-              <a:latin typeface="メイリオ" panose="020B0604030504040204" pitchFamily="50" charset="-128"/>
-              <a:ea typeface="メイリオ" panose="020B0604030504040204" pitchFamily="50" charset="-128"/>
-              <a:cs typeface="メイリオ" panose="020B0604030504040204" pitchFamily="50" charset="-128"/>
-            </a:endParaRPr>
           </a:p>
         </p:txBody>
       </p:sp>
@@ -3744,7 +3730,13 @@
                 <a:tableStyleId>{5940675A-B579-460E-94D1-54222C63F5DA}</a:tableStyleId>
               </a:tblPr>
               <a:tblGrid>
-                <a:gridCol w="1554168"/>
+                <a:gridCol w="1554168">
+                  <a:extLst>
+                    <a:ext uri="{9D8B030D-6E8A-4147-A177-3AD203B41FA5}">
+                      <a16:colId xmlns:a16="http://schemas.microsoft.com/office/drawing/2014/main" val="20000"/>
+                    </a:ext>
+                  </a:extLst>
+                </a:gridCol>
               </a:tblGrid>
               <a:tr h="301455">
                 <a:tc>
@@ -3754,7 +3746,7 @@
                     <a:p>
                       <a:pPr algn="ctr"/>
                       <a:r>
-                        <a:rPr kumimoji="1" lang="en-US" altLang="ja-JP" sz="1200" dirty="0" smtClean="0">
+                        <a:rPr kumimoji="1" lang="en-US" altLang="ja-JP" sz="1200" dirty="0">
                           <a:latin typeface="メイリオ" panose="020B0604030504040204" pitchFamily="50" charset="-128"/>
                           <a:ea typeface="メイリオ" panose="020B0604030504040204" pitchFamily="50" charset="-128"/>
                           <a:cs typeface="メイリオ" panose="020B0604030504040204" pitchFamily="50" charset="-128"/>
@@ -3762,18 +3754,13 @@
                         <a:t>OS</a:t>
                       </a:r>
                       <a:r>
-                        <a:rPr kumimoji="1" lang="ja-JP" altLang="en-US" sz="1200" dirty="0" smtClean="0">
+                        <a:rPr kumimoji="1" lang="ja-JP" altLang="en-US" sz="1200" dirty="0">
                           <a:latin typeface="メイリオ" panose="020B0604030504040204" pitchFamily="50" charset="-128"/>
                           <a:ea typeface="メイリオ" panose="020B0604030504040204" pitchFamily="50" charset="-128"/>
                           <a:cs typeface="メイリオ" panose="020B0604030504040204" pitchFamily="50" charset="-128"/>
                         </a:rPr>
                         <a:t>メモリ領域</a:t>
                       </a:r>
-                      <a:endParaRPr kumimoji="1" lang="ja-JP" altLang="en-US" sz="1200" dirty="0">
-                        <a:latin typeface="メイリオ" panose="020B0604030504040204" pitchFamily="50" charset="-128"/>
-                        <a:ea typeface="メイリオ" panose="020B0604030504040204" pitchFamily="50" charset="-128"/>
-                        <a:cs typeface="メイリオ" panose="020B0604030504040204" pitchFamily="50" charset="-128"/>
-                      </a:endParaRPr>
                     </a:p>
                   </a:txBody>
                   <a:tcPr>
@@ -3785,6 +3772,11 @@
                     </a:solidFill>
                   </a:tcPr>
                 </a:tc>
+                <a:extLst>
+                  <a:ext uri="{0D108BD9-81ED-4DB2-BD59-A6C34878D82A}">
+                    <a16:rowId xmlns:a16="http://schemas.microsoft.com/office/drawing/2014/main" val="10000"/>
+                  </a:ext>
+                </a:extLst>
               </a:tr>
               <a:tr h="301455">
                 <a:tc>
@@ -3804,6 +3796,11 @@
                     <a:noFill/>
                   </a:tcPr>
                 </a:tc>
+                <a:extLst>
+                  <a:ext uri="{0D108BD9-81ED-4DB2-BD59-A6C34878D82A}">
+                    <a16:rowId xmlns:a16="http://schemas.microsoft.com/office/drawing/2014/main" val="10001"/>
+                  </a:ext>
+                </a:extLst>
               </a:tr>
               <a:tr h="301455">
                 <a:tc>
@@ -3817,6 +3814,11 @@
                   </a:txBody>
                   <a:tcPr/>
                 </a:tc>
+                <a:extLst>
+                  <a:ext uri="{0D108BD9-81ED-4DB2-BD59-A6C34878D82A}">
+                    <a16:rowId xmlns:a16="http://schemas.microsoft.com/office/drawing/2014/main" val="10002"/>
+                  </a:ext>
+                </a:extLst>
               </a:tr>
               <a:tr h="301455">
                 <a:tc>
@@ -3830,6 +3832,11 @@
                   </a:txBody>
                   <a:tcPr/>
                 </a:tc>
+                <a:extLst>
+                  <a:ext uri="{0D108BD9-81ED-4DB2-BD59-A6C34878D82A}">
+                    <a16:rowId xmlns:a16="http://schemas.microsoft.com/office/drawing/2014/main" val="10003"/>
+                  </a:ext>
+                </a:extLst>
               </a:tr>
               <a:tr h="301455">
                 <a:tc>
@@ -3843,6 +3850,11 @@
                   </a:txBody>
                   <a:tcPr/>
                 </a:tc>
+                <a:extLst>
+                  <a:ext uri="{0D108BD9-81ED-4DB2-BD59-A6C34878D82A}">
+                    <a16:rowId xmlns:a16="http://schemas.microsoft.com/office/drawing/2014/main" val="10004"/>
+                  </a:ext>
+                </a:extLst>
               </a:tr>
               <a:tr h="301455">
                 <a:tc>
@@ -3856,6 +3868,11 @@
                   </a:txBody>
                   <a:tcPr/>
                 </a:tc>
+                <a:extLst>
+                  <a:ext uri="{0D108BD9-81ED-4DB2-BD59-A6C34878D82A}">
+                    <a16:rowId xmlns:a16="http://schemas.microsoft.com/office/drawing/2014/main" val="10005"/>
+                  </a:ext>
+                </a:extLst>
               </a:tr>
               <a:tr h="301455">
                 <a:tc>
@@ -3869,6 +3886,11 @@
                   </a:txBody>
                   <a:tcPr/>
                 </a:tc>
+                <a:extLst>
+                  <a:ext uri="{0D108BD9-81ED-4DB2-BD59-A6C34878D82A}">
+                    <a16:rowId xmlns:a16="http://schemas.microsoft.com/office/drawing/2014/main" val="10006"/>
+                  </a:ext>
+                </a:extLst>
               </a:tr>
               <a:tr h="301455">
                 <a:tc>
@@ -3882,6 +3904,11 @@
                   </a:txBody>
                   <a:tcPr/>
                 </a:tc>
+                <a:extLst>
+                  <a:ext uri="{0D108BD9-81ED-4DB2-BD59-A6C34878D82A}">
+                    <a16:rowId xmlns:a16="http://schemas.microsoft.com/office/drawing/2014/main" val="10007"/>
+                  </a:ext>
+                </a:extLst>
               </a:tr>
               <a:tr h="301455">
                 <a:tc>
@@ -3895,6 +3922,11 @@
                   </a:txBody>
                   <a:tcPr/>
                 </a:tc>
+                <a:extLst>
+                  <a:ext uri="{0D108BD9-81ED-4DB2-BD59-A6C34878D82A}">
+                    <a16:rowId xmlns:a16="http://schemas.microsoft.com/office/drawing/2014/main" val="10008"/>
+                  </a:ext>
+                </a:extLst>
               </a:tr>
               <a:tr h="301455">
                 <a:tc>
@@ -3908,6 +3940,11 @@
                   </a:txBody>
                   <a:tcPr/>
                 </a:tc>
+                <a:extLst>
+                  <a:ext uri="{0D108BD9-81ED-4DB2-BD59-A6C34878D82A}">
+                    <a16:rowId xmlns:a16="http://schemas.microsoft.com/office/drawing/2014/main" val="10009"/>
+                  </a:ext>
+                </a:extLst>
               </a:tr>
               <a:tr h="301455">
                 <a:tc>
@@ -3921,6 +3958,11 @@
                   </a:txBody>
                   <a:tcPr/>
                 </a:tc>
+                <a:extLst>
+                  <a:ext uri="{0D108BD9-81ED-4DB2-BD59-A6C34878D82A}">
+                    <a16:rowId xmlns:a16="http://schemas.microsoft.com/office/drawing/2014/main" val="10010"/>
+                  </a:ext>
+                </a:extLst>
               </a:tr>
               <a:tr h="301455">
                 <a:tc>
@@ -3934,6 +3976,11 @@
                   </a:txBody>
                   <a:tcPr/>
                 </a:tc>
+                <a:extLst>
+                  <a:ext uri="{0D108BD9-81ED-4DB2-BD59-A6C34878D82A}">
+                    <a16:rowId xmlns:a16="http://schemas.microsoft.com/office/drawing/2014/main" val="10011"/>
+                  </a:ext>
+                </a:extLst>
               </a:tr>
               <a:tr h="301455">
                 <a:tc>
@@ -3947,6 +3994,11 @@
                   </a:txBody>
                   <a:tcPr/>
                 </a:tc>
+                <a:extLst>
+                  <a:ext uri="{0D108BD9-81ED-4DB2-BD59-A6C34878D82A}">
+                    <a16:rowId xmlns:a16="http://schemas.microsoft.com/office/drawing/2014/main" val="10012"/>
+                  </a:ext>
+                </a:extLst>
               </a:tr>
               <a:tr h="301455">
                 <a:tc>
@@ -3960,6 +4012,11 @@
                   </a:txBody>
                   <a:tcPr/>
                 </a:tc>
+                <a:extLst>
+                  <a:ext uri="{0D108BD9-81ED-4DB2-BD59-A6C34878D82A}">
+                    <a16:rowId xmlns:a16="http://schemas.microsoft.com/office/drawing/2014/main" val="10013"/>
+                  </a:ext>
+                </a:extLst>
               </a:tr>
             </a:tbl>
           </a:graphicData>
@@ -4143,18 +4200,13 @@
           <a:p>
             <a:pPr algn="ctr"/>
             <a:r>
-              <a:rPr lang="ja-JP" altLang="en-US" sz="1200" dirty="0" smtClean="0">
+              <a:rPr lang="ja-JP" altLang="en-US" sz="1200" dirty="0">
                 <a:latin typeface="メイリオ" panose="020B0604030504040204" pitchFamily="50" charset="-128"/>
                 <a:ea typeface="メイリオ" panose="020B0604030504040204" pitchFamily="50" charset="-128"/>
                 <a:cs typeface="メイリオ" panose="020B0604030504040204" pitchFamily="50" charset="-128"/>
               </a:rPr>
               <a:t>データベース</a:t>
             </a:r>
-            <a:endParaRPr lang="ja-JP" altLang="en-US" sz="1200" dirty="0">
-              <a:latin typeface="メイリオ" panose="020B0604030504040204" pitchFamily="50" charset="-128"/>
-              <a:ea typeface="メイリオ" panose="020B0604030504040204" pitchFamily="50" charset="-128"/>
-              <a:cs typeface="メイリオ" panose="020B0604030504040204" pitchFamily="50" charset="-128"/>
-            </a:endParaRPr>
           </a:p>
         </p:txBody>
       </p:sp>
@@ -4193,18 +4245,13 @@
           <a:p>
             <a:pPr algn="ctr"/>
             <a:r>
-              <a:rPr kumimoji="1" lang="ja-JP" altLang="en-US" sz="1200" dirty="0" smtClean="0">
+              <a:rPr kumimoji="1" lang="ja-JP" altLang="en-US" sz="1200" dirty="0">
                 <a:latin typeface="メイリオ" panose="020B0604030504040204" pitchFamily="50" charset="-128"/>
                 <a:ea typeface="メイリオ" panose="020B0604030504040204" pitchFamily="50" charset="-128"/>
                 <a:cs typeface="メイリオ" panose="020B0604030504040204" pitchFamily="50" charset="-128"/>
               </a:rPr>
               <a:t>データベース・ドライバー</a:t>
             </a:r>
-            <a:endParaRPr kumimoji="1" lang="ja-JP" altLang="en-US" sz="1200" dirty="0">
-              <a:latin typeface="メイリオ" panose="020B0604030504040204" pitchFamily="50" charset="-128"/>
-              <a:ea typeface="メイリオ" panose="020B0604030504040204" pitchFamily="50" charset="-128"/>
-              <a:cs typeface="メイリオ" panose="020B0604030504040204" pitchFamily="50" charset="-128"/>
-            </a:endParaRPr>
           </a:p>
         </p:txBody>
       </p:sp>
@@ -4248,18 +4295,13 @@
           <a:p>
             <a:pPr algn="ctr"/>
             <a:r>
-              <a:rPr lang="ja-JP" altLang="en-US" sz="1200" dirty="0" smtClean="0">
+              <a:rPr lang="ja-JP" altLang="en-US" sz="1200" dirty="0">
                 <a:latin typeface="メイリオ" panose="020B0604030504040204" pitchFamily="50" charset="-128"/>
                 <a:ea typeface="メイリオ" panose="020B0604030504040204" pitchFamily="50" charset="-128"/>
                 <a:cs typeface="メイリオ" panose="020B0604030504040204" pitchFamily="50" charset="-128"/>
               </a:rPr>
               <a:t>アプリケーション</a:t>
             </a:r>
-            <a:endParaRPr lang="ja-JP" altLang="en-US" sz="1200" dirty="0">
-              <a:latin typeface="メイリオ" panose="020B0604030504040204" pitchFamily="50" charset="-128"/>
-              <a:ea typeface="メイリオ" panose="020B0604030504040204" pitchFamily="50" charset="-128"/>
-              <a:cs typeface="メイリオ" panose="020B0604030504040204" pitchFamily="50" charset="-128"/>
-            </a:endParaRPr>
           </a:p>
         </p:txBody>
       </p:sp>
@@ -4347,6 +4389,747 @@
     <p:extLst>
       <p:ext uri="{BB962C8B-B14F-4D97-AF65-F5344CB8AC3E}">
         <p14:creationId xmlns:p14="http://schemas.microsoft.com/office/powerpoint/2010/main" val="196016942"/>
+      </p:ext>
+    </p:extLst>
+  </p:cSld>
+  <p:clrMapOvr>
+    <a:masterClrMapping/>
+  </p:clrMapOvr>
+</p:sld>
+</file>
+
+<file path=ppt/slides/slide3.xml><?xml version="1.0" encoding="utf-8"?>
+<p:sld xmlns:a="http://schemas.openxmlformats.org/drawingml/2006/main" xmlns:r="http://schemas.openxmlformats.org/officeDocument/2006/relationships" xmlns:p="http://schemas.openxmlformats.org/presentationml/2006/main">
+  <p:cSld>
+    <p:spTree>
+      <p:nvGrpSpPr>
+        <p:cNvPr id="1" name=""/>
+        <p:cNvGrpSpPr/>
+        <p:nvPr/>
+      </p:nvGrpSpPr>
+      <p:grpSpPr>
+        <a:xfrm>
+          <a:off x="0" y="0"/>
+          <a:ext cx="0" cy="0"/>
+          <a:chOff x="0" y="0"/>
+          <a:chExt cx="0" cy="0"/>
+        </a:xfrm>
+      </p:grpSpPr>
+      <p:sp>
+        <p:nvSpPr>
+          <p:cNvPr id="2" name="フローチャート: 磁気ディスク 1"/>
+          <p:cNvSpPr/>
+          <p:nvPr/>
+        </p:nvSpPr>
+        <p:spPr>
+          <a:xfrm>
+            <a:off x="6870323" y="489680"/>
+            <a:ext cx="1027583" cy="911047"/>
+          </a:xfrm>
+          <a:prstGeom prst="flowChartMagneticDisk">
+            <a:avLst/>
+          </a:prstGeom>
+        </p:spPr>
+        <p:style>
+          <a:lnRef idx="1">
+            <a:schemeClr val="accent4"/>
+          </a:lnRef>
+          <a:fillRef idx="2">
+            <a:schemeClr val="accent4"/>
+          </a:fillRef>
+          <a:effectRef idx="1">
+            <a:schemeClr val="accent4"/>
+          </a:effectRef>
+          <a:fontRef idx="minor">
+            <a:schemeClr val="dk1"/>
+          </a:fontRef>
+        </p:style>
+        <p:txBody>
+          <a:bodyPr rot="0" spcFirstLastPara="0" vertOverflow="overflow" horzOverflow="overflow" vert="horz" wrap="square" lIns="91440" tIns="45720" rIns="91440" bIns="45720" numCol="1" spcCol="0" rtlCol="0" fromWordArt="0" anchor="ctr" anchorCtr="0" forceAA="0" compatLnSpc="1">
+            <a:prstTxWarp prst="textNoShape">
+              <a:avLst/>
+            </a:prstTxWarp>
+            <a:noAutofit/>
+          </a:bodyPr>
+          <a:lstStyle/>
+          <a:p>
+            <a:pPr algn="ctr"/>
+            <a:r>
+              <a:rPr lang="en-US" altLang="ja-JP" sz="1200" dirty="0" err="1">
+                <a:latin typeface="メイリオ" panose="020B0604030504040204" pitchFamily="50" charset="-128"/>
+                <a:ea typeface="メイリオ" panose="020B0604030504040204" pitchFamily="50" charset="-128"/>
+                <a:cs typeface="メイリオ" panose="020B0604030504040204" pitchFamily="50" charset="-128"/>
+              </a:rPr>
+              <a:t>Oacle</a:t>
+            </a:r>
+            <a:br>
+              <a:rPr lang="en-US" altLang="ja-JP" sz="1200" dirty="0">
+                <a:latin typeface="メイリオ" panose="020B0604030504040204" pitchFamily="50" charset="-128"/>
+                <a:ea typeface="メイリオ" panose="020B0604030504040204" pitchFamily="50" charset="-128"/>
+                <a:cs typeface="メイリオ" panose="020B0604030504040204" pitchFamily="50" charset="-128"/>
+              </a:rPr>
+            </a:br>
+            <a:r>
+              <a:rPr lang="en-US" altLang="ja-JP" sz="1200" dirty="0">
+                <a:latin typeface="メイリオ" panose="020B0604030504040204" pitchFamily="50" charset="-128"/>
+                <a:ea typeface="メイリオ" panose="020B0604030504040204" pitchFamily="50" charset="-128"/>
+                <a:cs typeface="メイリオ" panose="020B0604030504040204" pitchFamily="50" charset="-128"/>
+              </a:rPr>
+              <a:t>Database</a:t>
+            </a:r>
+            <a:endParaRPr lang="ja-JP" altLang="en-US" sz="1200" dirty="0">
+              <a:latin typeface="メイリオ" panose="020B0604030504040204" pitchFamily="50" charset="-128"/>
+              <a:ea typeface="メイリオ" panose="020B0604030504040204" pitchFamily="50" charset="-128"/>
+              <a:cs typeface="メイリオ" panose="020B0604030504040204" pitchFamily="50" charset="-128"/>
+            </a:endParaRPr>
+          </a:p>
+        </p:txBody>
+      </p:sp>
+      <p:sp>
+        <p:nvSpPr>
+          <p:cNvPr id="3" name="フローチャート: 磁気ディスク 2"/>
+          <p:cNvSpPr/>
+          <p:nvPr/>
+        </p:nvSpPr>
+        <p:spPr>
+          <a:xfrm>
+            <a:off x="6263708" y="2226600"/>
+            <a:ext cx="887261" cy="875187"/>
+          </a:xfrm>
+          <a:prstGeom prst="flowChartMagneticDisk">
+            <a:avLst/>
+          </a:prstGeom>
+        </p:spPr>
+        <p:style>
+          <a:lnRef idx="1">
+            <a:schemeClr val="accent5"/>
+          </a:lnRef>
+          <a:fillRef idx="2">
+            <a:schemeClr val="accent5"/>
+          </a:fillRef>
+          <a:effectRef idx="1">
+            <a:schemeClr val="accent5"/>
+          </a:effectRef>
+          <a:fontRef idx="minor">
+            <a:schemeClr val="dk1"/>
+          </a:fontRef>
+        </p:style>
+        <p:txBody>
+          <a:bodyPr rot="0" spcFirstLastPara="0" vertOverflow="overflow" horzOverflow="overflow" vert="horz" wrap="square" lIns="91440" tIns="45720" rIns="91440" bIns="45720" numCol="1" spcCol="0" rtlCol="0" fromWordArt="0" anchor="ctr" anchorCtr="0" forceAA="0" compatLnSpc="1">
+            <a:prstTxWarp prst="textNoShape">
+              <a:avLst/>
+            </a:prstTxWarp>
+            <a:noAutofit/>
+          </a:bodyPr>
+          <a:lstStyle/>
+          <a:p>
+            <a:pPr algn="ctr"/>
+            <a:r>
+              <a:rPr lang="en-US" altLang="ja-JP" sz="1200" dirty="0">
+                <a:latin typeface="メイリオ" panose="020B0604030504040204" pitchFamily="50" charset="-128"/>
+                <a:ea typeface="メイリオ" panose="020B0604030504040204" pitchFamily="50" charset="-128"/>
+                <a:cs typeface="メイリオ" panose="020B0604030504040204" pitchFamily="50" charset="-128"/>
+              </a:rPr>
+              <a:t>SQL</a:t>
+            </a:r>
+          </a:p>
+          <a:p>
+            <a:pPr algn="ctr"/>
+            <a:r>
+              <a:rPr lang="en-US" altLang="ja-JP" sz="1200" dirty="0">
+                <a:latin typeface="メイリオ" panose="020B0604030504040204" pitchFamily="50" charset="-128"/>
+                <a:ea typeface="メイリオ" panose="020B0604030504040204" pitchFamily="50" charset="-128"/>
+                <a:cs typeface="メイリオ" panose="020B0604030504040204" pitchFamily="50" charset="-128"/>
+              </a:rPr>
+              <a:t>Server</a:t>
+            </a:r>
+            <a:endParaRPr lang="ja-JP" altLang="en-US" sz="1200" dirty="0">
+              <a:latin typeface="メイリオ" panose="020B0604030504040204" pitchFamily="50" charset="-128"/>
+              <a:ea typeface="メイリオ" panose="020B0604030504040204" pitchFamily="50" charset="-128"/>
+              <a:cs typeface="メイリオ" panose="020B0604030504040204" pitchFamily="50" charset="-128"/>
+            </a:endParaRPr>
+          </a:p>
+        </p:txBody>
+      </p:sp>
+      <p:sp>
+        <p:nvSpPr>
+          <p:cNvPr id="4" name="四角形: 角を丸くする 3"/>
+          <p:cNvSpPr/>
+          <p:nvPr/>
+        </p:nvSpPr>
+        <p:spPr>
+          <a:xfrm>
+            <a:off x="3884649" y="3904128"/>
+            <a:ext cx="932330" cy="457200"/>
+          </a:xfrm>
+          <a:prstGeom prst="roundRect">
+            <a:avLst/>
+          </a:prstGeom>
+        </p:spPr>
+        <p:style>
+          <a:lnRef idx="1">
+            <a:schemeClr val="accent6"/>
+          </a:lnRef>
+          <a:fillRef idx="2">
+            <a:schemeClr val="accent6"/>
+          </a:fillRef>
+          <a:effectRef idx="1">
+            <a:schemeClr val="accent6"/>
+          </a:effectRef>
+          <a:fontRef idx="minor">
+            <a:schemeClr val="dk1"/>
+          </a:fontRef>
+        </p:style>
+        <p:txBody>
+          <a:bodyPr rtlCol="0" anchor="ctr"/>
+          <a:lstStyle/>
+          <a:p>
+            <a:pPr algn="ctr"/>
+            <a:r>
+              <a:rPr kumimoji="1" lang="en-US" altLang="ja-JP" sz="1200" dirty="0"/>
+              <a:t>ODBC</a:t>
+            </a:r>
+            <a:br>
+              <a:rPr kumimoji="1" lang="en-US" altLang="ja-JP" sz="1200" dirty="0"/>
+            </a:br>
+            <a:r>
+              <a:rPr kumimoji="1" lang="ja-JP" altLang="en-US" sz="1200" dirty="0"/>
+              <a:t>ドライバー</a:t>
+            </a:r>
+          </a:p>
+        </p:txBody>
+      </p:sp>
+      <p:sp>
+        <p:nvSpPr>
+          <p:cNvPr id="5" name="四角形: 角を丸くする 4"/>
+          <p:cNvSpPr/>
+          <p:nvPr/>
+        </p:nvSpPr>
+        <p:spPr>
+          <a:xfrm>
+            <a:off x="1947840" y="1400727"/>
+            <a:ext cx="1568824" cy="667872"/>
+          </a:xfrm>
+          <a:prstGeom prst="roundRect">
+            <a:avLst/>
+          </a:prstGeom>
+        </p:spPr>
+        <p:style>
+          <a:lnRef idx="1">
+            <a:schemeClr val="accent6"/>
+          </a:lnRef>
+          <a:fillRef idx="2">
+            <a:schemeClr val="accent6"/>
+          </a:fillRef>
+          <a:effectRef idx="1">
+            <a:schemeClr val="accent6"/>
+          </a:effectRef>
+          <a:fontRef idx="minor">
+            <a:schemeClr val="dk1"/>
+          </a:fontRef>
+        </p:style>
+        <p:txBody>
+          <a:bodyPr rtlCol="0" anchor="ctr"/>
+          <a:lstStyle/>
+          <a:p>
+            <a:pPr algn="ctr"/>
+            <a:r>
+              <a:rPr kumimoji="1" lang="en-US" altLang="ja-JP" sz="1200" dirty="0"/>
+              <a:t>.NET Framework</a:t>
+            </a:r>
+            <a:br>
+              <a:rPr kumimoji="1" lang="en-US" altLang="ja-JP" sz="1200" dirty="0"/>
+            </a:br>
+            <a:r>
+              <a:rPr kumimoji="1" lang="ja-JP" altLang="en-US" sz="1200" dirty="0"/>
+              <a:t>データプロバイダー</a:t>
+            </a:r>
+          </a:p>
+        </p:txBody>
+      </p:sp>
+      <p:sp>
+        <p:nvSpPr>
+          <p:cNvPr id="6" name="四角形: 角を丸くする 5"/>
+          <p:cNvSpPr/>
+          <p:nvPr/>
+        </p:nvSpPr>
+        <p:spPr>
+          <a:xfrm>
+            <a:off x="3902579" y="2435593"/>
+            <a:ext cx="898708" cy="457200"/>
+          </a:xfrm>
+          <a:prstGeom prst="roundRect">
+            <a:avLst/>
+          </a:prstGeom>
+        </p:spPr>
+        <p:style>
+          <a:lnRef idx="1">
+            <a:schemeClr val="accent6"/>
+          </a:lnRef>
+          <a:fillRef idx="2">
+            <a:schemeClr val="accent6"/>
+          </a:fillRef>
+          <a:effectRef idx="1">
+            <a:schemeClr val="accent6"/>
+          </a:effectRef>
+          <a:fontRef idx="minor">
+            <a:schemeClr val="dk1"/>
+          </a:fontRef>
+        </p:style>
+        <p:txBody>
+          <a:bodyPr rtlCol="0" anchor="ctr"/>
+          <a:lstStyle/>
+          <a:p>
+            <a:pPr algn="ctr"/>
+            <a:r>
+              <a:rPr kumimoji="1" lang="en-US" altLang="ja-JP" sz="1200" dirty="0"/>
+              <a:t>JDBC</a:t>
+            </a:r>
+            <a:br>
+              <a:rPr kumimoji="1" lang="en-US" altLang="ja-JP" sz="1200" dirty="0"/>
+            </a:br>
+            <a:r>
+              <a:rPr kumimoji="1" lang="ja-JP" altLang="en-US" sz="1200" dirty="0"/>
+              <a:t>ドライバー</a:t>
+            </a:r>
+          </a:p>
+        </p:txBody>
+      </p:sp>
+      <p:sp>
+        <p:nvSpPr>
+          <p:cNvPr id="23" name="角丸四角形 3"/>
+          <p:cNvSpPr/>
+          <p:nvPr/>
+        </p:nvSpPr>
+        <p:spPr>
+          <a:xfrm>
+            <a:off x="417728" y="3572434"/>
+            <a:ext cx="1543016" cy="540686"/>
+          </a:xfrm>
+          <a:prstGeom prst="roundRect">
+            <a:avLst/>
+          </a:prstGeom>
+        </p:spPr>
+        <p:style>
+          <a:lnRef idx="1">
+            <a:schemeClr val="accent1"/>
+          </a:lnRef>
+          <a:fillRef idx="2">
+            <a:schemeClr val="accent1"/>
+          </a:fillRef>
+          <a:effectRef idx="1">
+            <a:schemeClr val="accent1"/>
+          </a:effectRef>
+          <a:fontRef idx="minor">
+            <a:schemeClr val="dk1"/>
+          </a:fontRef>
+        </p:style>
+        <p:txBody>
+          <a:bodyPr rot="0" spcFirstLastPara="0" vertOverflow="overflow" horzOverflow="overflow" vert="horz" wrap="square" lIns="91440" tIns="45720" rIns="91440" bIns="45720" numCol="1" spcCol="0" rtlCol="0" fromWordArt="0" anchor="ctr" anchorCtr="0" forceAA="0" compatLnSpc="1">
+            <a:prstTxWarp prst="textNoShape">
+              <a:avLst/>
+            </a:prstTxWarp>
+            <a:noAutofit/>
+          </a:bodyPr>
+          <a:lstStyle/>
+          <a:p>
+            <a:pPr algn="ctr"/>
+            <a:r>
+              <a:rPr lang="ja-JP" altLang="en-US" sz="1200" dirty="0">
+                <a:latin typeface="メイリオ" panose="020B0604030504040204" pitchFamily="50" charset="-128"/>
+                <a:ea typeface="メイリオ" panose="020B0604030504040204" pitchFamily="50" charset="-128"/>
+                <a:cs typeface="メイリオ" panose="020B0604030504040204" pitchFamily="50" charset="-128"/>
+              </a:rPr>
+              <a:t>アプリケーション</a:t>
+            </a:r>
+          </a:p>
+        </p:txBody>
+      </p:sp>
+      <p:cxnSp>
+        <p:nvCxnSpPr>
+          <p:cNvPr id="37" name="コネクタ: カギ線 36"/>
+          <p:cNvCxnSpPr>
+            <a:cxnSpLocks/>
+            <a:stCxn id="5" idx="2"/>
+            <a:endCxn id="4" idx="1"/>
+          </p:cNvCxnSpPr>
+          <p:nvPr/>
+        </p:nvCxnSpPr>
+        <p:spPr>
+          <a:xfrm rot="16200000" flipH="1">
+            <a:off x="2276386" y="2524464"/>
+            <a:ext cx="2064129" cy="1152397"/>
+          </a:xfrm>
+          <a:prstGeom prst="bentConnector2">
+            <a:avLst/>
+          </a:prstGeom>
+          <a:ln>
+            <a:headEnd type="triangle"/>
+            <a:tailEnd type="triangle"/>
+          </a:ln>
+        </p:spPr>
+        <p:style>
+          <a:lnRef idx="3">
+            <a:schemeClr val="accent1"/>
+          </a:lnRef>
+          <a:fillRef idx="0">
+            <a:schemeClr val="accent1"/>
+          </a:fillRef>
+          <a:effectRef idx="2">
+            <a:schemeClr val="accent1"/>
+          </a:effectRef>
+          <a:fontRef idx="minor">
+            <a:schemeClr val="tx1"/>
+          </a:fontRef>
+        </p:style>
+      </p:cxnSp>
+      <p:cxnSp>
+        <p:nvCxnSpPr>
+          <p:cNvPr id="39" name="コネクタ: カギ線 38"/>
+          <p:cNvCxnSpPr>
+            <a:cxnSpLocks/>
+            <a:stCxn id="4" idx="3"/>
+            <a:endCxn id="3" idx="3"/>
+          </p:cNvCxnSpPr>
+          <p:nvPr/>
+        </p:nvCxnSpPr>
+        <p:spPr>
+          <a:xfrm flipV="1">
+            <a:off x="4816979" y="3101787"/>
+            <a:ext cx="1890360" cy="1030941"/>
+          </a:xfrm>
+          <a:prstGeom prst="bentConnector2">
+            <a:avLst/>
+          </a:prstGeom>
+          <a:ln>
+            <a:headEnd type="triangle"/>
+            <a:tailEnd type="triangle"/>
+          </a:ln>
+        </p:spPr>
+        <p:style>
+          <a:lnRef idx="3">
+            <a:schemeClr val="accent1"/>
+          </a:lnRef>
+          <a:fillRef idx="0">
+            <a:schemeClr val="accent1"/>
+          </a:fillRef>
+          <a:effectRef idx="2">
+            <a:schemeClr val="accent1"/>
+          </a:effectRef>
+          <a:fontRef idx="minor">
+            <a:schemeClr val="tx1"/>
+          </a:fontRef>
+        </p:style>
+      </p:cxnSp>
+      <p:cxnSp>
+        <p:nvCxnSpPr>
+          <p:cNvPr id="41" name="コネクタ: カギ線 40"/>
+          <p:cNvCxnSpPr>
+            <a:cxnSpLocks/>
+            <a:stCxn id="2" idx="3"/>
+            <a:endCxn id="4" idx="2"/>
+          </p:cNvCxnSpPr>
+          <p:nvPr/>
+        </p:nvCxnSpPr>
+        <p:spPr>
+          <a:xfrm rot="5400000">
+            <a:off x="4387165" y="1364377"/>
+            <a:ext cx="2960601" cy="3033301"/>
+          </a:xfrm>
+          <a:prstGeom prst="bentConnector3">
+            <a:avLst>
+              <a:gd name="adj1" fmla="val 107721"/>
+            </a:avLst>
+          </a:prstGeom>
+          <a:ln>
+            <a:headEnd type="triangle"/>
+            <a:tailEnd type="triangle"/>
+          </a:ln>
+        </p:spPr>
+        <p:style>
+          <a:lnRef idx="3">
+            <a:schemeClr val="accent1"/>
+          </a:lnRef>
+          <a:fillRef idx="0">
+            <a:schemeClr val="accent1"/>
+          </a:fillRef>
+          <a:effectRef idx="2">
+            <a:schemeClr val="accent1"/>
+          </a:effectRef>
+          <a:fontRef idx="minor">
+            <a:schemeClr val="tx1"/>
+          </a:fontRef>
+        </p:style>
+      </p:cxnSp>
+      <p:cxnSp>
+        <p:nvCxnSpPr>
+          <p:cNvPr id="49" name="コネクタ: カギ線 48"/>
+          <p:cNvCxnSpPr>
+            <a:cxnSpLocks/>
+            <a:stCxn id="6" idx="2"/>
+            <a:endCxn id="4" idx="0"/>
+          </p:cNvCxnSpPr>
+          <p:nvPr/>
+        </p:nvCxnSpPr>
+        <p:spPr>
+          <a:xfrm rot="5400000">
+            <a:off x="3845707" y="3397901"/>
+            <a:ext cx="1011335" cy="1119"/>
+          </a:xfrm>
+          <a:prstGeom prst="bentConnector3">
+            <a:avLst>
+              <a:gd name="adj1" fmla="val 50000"/>
+            </a:avLst>
+          </a:prstGeom>
+          <a:ln>
+            <a:headEnd type="triangle"/>
+            <a:tailEnd type="triangle"/>
+          </a:ln>
+        </p:spPr>
+        <p:style>
+          <a:lnRef idx="3">
+            <a:schemeClr val="accent1"/>
+          </a:lnRef>
+          <a:fillRef idx="0">
+            <a:schemeClr val="accent1"/>
+          </a:fillRef>
+          <a:effectRef idx="2">
+            <a:schemeClr val="accent1"/>
+          </a:effectRef>
+          <a:fontRef idx="minor">
+            <a:schemeClr val="tx1"/>
+          </a:fontRef>
+        </p:style>
+      </p:cxnSp>
+      <p:cxnSp>
+        <p:nvCxnSpPr>
+          <p:cNvPr id="63" name="コネクタ: カギ線 62"/>
+          <p:cNvCxnSpPr>
+            <a:cxnSpLocks/>
+            <a:stCxn id="6" idx="3"/>
+            <a:endCxn id="3" idx="2"/>
+          </p:cNvCxnSpPr>
+          <p:nvPr/>
+        </p:nvCxnSpPr>
+        <p:spPr>
+          <a:xfrm>
+            <a:off x="4801287" y="2664193"/>
+            <a:ext cx="1462421" cy="1"/>
+          </a:xfrm>
+          <a:prstGeom prst="bentConnector3">
+            <a:avLst/>
+          </a:prstGeom>
+          <a:ln>
+            <a:headEnd type="triangle"/>
+            <a:tailEnd type="triangle"/>
+          </a:ln>
+        </p:spPr>
+        <p:style>
+          <a:lnRef idx="3">
+            <a:schemeClr val="accent1"/>
+          </a:lnRef>
+          <a:fillRef idx="0">
+            <a:schemeClr val="accent1"/>
+          </a:fillRef>
+          <a:effectRef idx="2">
+            <a:schemeClr val="accent1"/>
+          </a:effectRef>
+          <a:fontRef idx="minor">
+            <a:schemeClr val="tx1"/>
+          </a:fontRef>
+        </p:style>
+      </p:cxnSp>
+      <p:cxnSp>
+        <p:nvCxnSpPr>
+          <p:cNvPr id="71" name="コネクタ: カギ線 70"/>
+          <p:cNvCxnSpPr>
+            <a:cxnSpLocks/>
+            <a:stCxn id="5" idx="0"/>
+            <a:endCxn id="2" idx="2"/>
+          </p:cNvCxnSpPr>
+          <p:nvPr/>
+        </p:nvCxnSpPr>
+        <p:spPr>
+          <a:xfrm rot="5400000" flipH="1" flipV="1">
+            <a:off x="4573526" y="-896069"/>
+            <a:ext cx="455523" cy="4138071"/>
+          </a:xfrm>
+          <a:prstGeom prst="bentConnector2">
+            <a:avLst/>
+          </a:prstGeom>
+          <a:ln>
+            <a:headEnd type="triangle"/>
+            <a:tailEnd type="triangle"/>
+          </a:ln>
+        </p:spPr>
+        <p:style>
+          <a:lnRef idx="3">
+            <a:schemeClr val="accent1"/>
+          </a:lnRef>
+          <a:fillRef idx="0">
+            <a:schemeClr val="accent1"/>
+          </a:fillRef>
+          <a:effectRef idx="2">
+            <a:schemeClr val="accent1"/>
+          </a:effectRef>
+          <a:fontRef idx="minor">
+            <a:schemeClr val="tx1"/>
+          </a:fontRef>
+        </p:style>
+      </p:cxnSp>
+      <p:cxnSp>
+        <p:nvCxnSpPr>
+          <p:cNvPr id="73" name="コネクタ: カギ線 72"/>
+          <p:cNvCxnSpPr>
+            <a:cxnSpLocks/>
+            <a:stCxn id="5" idx="3"/>
+            <a:endCxn id="3" idx="1"/>
+          </p:cNvCxnSpPr>
+          <p:nvPr/>
+        </p:nvCxnSpPr>
+        <p:spPr>
+          <a:xfrm>
+            <a:off x="3516664" y="1734663"/>
+            <a:ext cx="3190675" cy="491937"/>
+          </a:xfrm>
+          <a:prstGeom prst="bentConnector2">
+            <a:avLst/>
+          </a:prstGeom>
+          <a:ln>
+            <a:headEnd type="triangle"/>
+            <a:tailEnd type="triangle"/>
+          </a:ln>
+        </p:spPr>
+        <p:style>
+          <a:lnRef idx="3">
+            <a:schemeClr val="accent1"/>
+          </a:lnRef>
+          <a:fillRef idx="0">
+            <a:schemeClr val="accent1"/>
+          </a:fillRef>
+          <a:effectRef idx="2">
+            <a:schemeClr val="accent1"/>
+          </a:effectRef>
+          <a:fontRef idx="minor">
+            <a:schemeClr val="tx1"/>
+          </a:fontRef>
+        </p:style>
+      </p:cxnSp>
+      <p:cxnSp>
+        <p:nvCxnSpPr>
+          <p:cNvPr id="81" name="直線矢印コネクタ 80"/>
+          <p:cNvCxnSpPr>
+            <a:cxnSpLocks/>
+            <a:endCxn id="6" idx="1"/>
+          </p:cNvCxnSpPr>
+          <p:nvPr/>
+        </p:nvCxnSpPr>
+        <p:spPr>
+          <a:xfrm flipV="1">
+            <a:off x="1947840" y="2664193"/>
+            <a:ext cx="1954739" cy="1011334"/>
+          </a:xfrm>
+          <a:prstGeom prst="straightConnector1">
+            <a:avLst/>
+          </a:prstGeom>
+          <a:ln>
+            <a:headEnd type="triangle"/>
+            <a:tailEnd type="triangle"/>
+          </a:ln>
+        </p:spPr>
+        <p:style>
+          <a:lnRef idx="3">
+            <a:schemeClr val="accent2"/>
+          </a:lnRef>
+          <a:fillRef idx="0">
+            <a:schemeClr val="accent2"/>
+          </a:fillRef>
+          <a:effectRef idx="2">
+            <a:schemeClr val="accent2"/>
+          </a:effectRef>
+          <a:fontRef idx="minor">
+            <a:schemeClr val="tx1"/>
+          </a:fontRef>
+        </p:style>
+      </p:cxnSp>
+      <p:cxnSp>
+        <p:nvCxnSpPr>
+          <p:cNvPr id="83" name="直線矢印コネクタ 82"/>
+          <p:cNvCxnSpPr>
+            <a:cxnSpLocks/>
+            <a:stCxn id="23" idx="0"/>
+          </p:cNvCxnSpPr>
+          <p:nvPr/>
+        </p:nvCxnSpPr>
+        <p:spPr>
+          <a:xfrm flipV="1">
+            <a:off x="1189236" y="2068598"/>
+            <a:ext cx="938477" cy="1503836"/>
+          </a:xfrm>
+          <a:prstGeom prst="straightConnector1">
+            <a:avLst/>
+          </a:prstGeom>
+          <a:ln>
+            <a:headEnd type="triangle"/>
+            <a:tailEnd type="triangle"/>
+          </a:ln>
+        </p:spPr>
+        <p:style>
+          <a:lnRef idx="3">
+            <a:schemeClr val="accent2"/>
+          </a:lnRef>
+          <a:fillRef idx="0">
+            <a:schemeClr val="accent2"/>
+          </a:fillRef>
+          <a:effectRef idx="2">
+            <a:schemeClr val="accent2"/>
+          </a:effectRef>
+          <a:fontRef idx="minor">
+            <a:schemeClr val="tx1"/>
+          </a:fontRef>
+        </p:style>
+      </p:cxnSp>
+      <p:cxnSp>
+        <p:nvCxnSpPr>
+          <p:cNvPr id="125" name="直線矢印コネクタ 124"/>
+          <p:cNvCxnSpPr>
+            <a:cxnSpLocks/>
+            <a:stCxn id="23" idx="3"/>
+          </p:cNvCxnSpPr>
+          <p:nvPr/>
+        </p:nvCxnSpPr>
+        <p:spPr>
+          <a:xfrm>
+            <a:off x="1960744" y="3842777"/>
+            <a:ext cx="1876281" cy="166684"/>
+          </a:xfrm>
+          <a:prstGeom prst="straightConnector1">
+            <a:avLst/>
+          </a:prstGeom>
+          <a:ln>
+            <a:headEnd type="triangle"/>
+            <a:tailEnd type="triangle"/>
+          </a:ln>
+        </p:spPr>
+        <p:style>
+          <a:lnRef idx="3">
+            <a:schemeClr val="accent2"/>
+          </a:lnRef>
+          <a:fillRef idx="0">
+            <a:schemeClr val="accent2"/>
+          </a:fillRef>
+          <a:effectRef idx="2">
+            <a:schemeClr val="accent2"/>
+          </a:effectRef>
+          <a:fontRef idx="minor">
+            <a:schemeClr val="tx1"/>
+          </a:fontRef>
+        </p:style>
+      </p:cxnSp>
+    </p:spTree>
+    <p:extLst>
+      <p:ext uri="{BB962C8B-B14F-4D97-AF65-F5344CB8AC3E}">
+        <p14:creationId xmlns:p14="http://schemas.microsoft.com/office/powerpoint/2010/main" val="3311392712"/>
       </p:ext>
     </p:extLst>
   </p:cSld>

--- a/pptx/01.pptx
+++ b/pptx/01.pptx
@@ -4423,7 +4423,7 @@
         </p:nvSpPr>
         <p:spPr>
           <a:xfrm>
-            <a:off x="6870323" y="489680"/>
+            <a:off x="6079748" y="609578"/>
             <a:ext cx="1027583" cy="911047"/>
           </a:xfrm>
           <a:prstGeom prst="flowChartMagneticDisk">
@@ -4493,8 +4493,8 @@
         </p:nvSpPr>
         <p:spPr>
           <a:xfrm>
-            <a:off x="6263708" y="2226600"/>
-            <a:ext cx="887261" cy="875187"/>
+            <a:off x="5423834" y="2217634"/>
+            <a:ext cx="887261" cy="893119"/>
           </a:xfrm>
           <a:prstGeom prst="flowChartMagneticDisk">
             <a:avLst/>
@@ -4795,8 +4795,8 @@
         </p:nvCxnSpPr>
         <p:spPr>
           <a:xfrm flipV="1">
-            <a:off x="4816979" y="3101787"/>
-            <a:ext cx="1890360" cy="1030941"/>
+            <a:off x="4816979" y="3110753"/>
+            <a:ext cx="1050486" cy="1021975"/>
           </a:xfrm>
           <a:prstGeom prst="bentConnector2">
             <a:avLst/>
@@ -4833,12 +4833,12 @@
         </p:nvCxnSpPr>
         <p:spPr>
           <a:xfrm rot="5400000">
-            <a:off x="4387165" y="1364377"/>
-            <a:ext cx="2960601" cy="3033301"/>
+            <a:off x="4051826" y="1819613"/>
+            <a:ext cx="2840703" cy="2242726"/>
           </a:xfrm>
           <a:prstGeom prst="bentConnector3">
             <a:avLst>
-              <a:gd name="adj1" fmla="val 107721"/>
+              <a:gd name="adj1" fmla="val 108047"/>
             </a:avLst>
           </a:prstGeom>
           <a:ln>
@@ -4914,7 +4914,7 @@
         <p:spPr>
           <a:xfrm>
             <a:off x="4801287" y="2664193"/>
-            <a:ext cx="1462421" cy="1"/>
+            <a:ext cx="622547" cy="1"/>
           </a:xfrm>
           <a:prstGeom prst="bentConnector3">
             <a:avLst/>
@@ -4951,8 +4951,8 @@
         </p:nvCxnSpPr>
         <p:spPr>
           <a:xfrm rot="5400000" flipH="1" flipV="1">
-            <a:off x="4573526" y="-896069"/>
-            <a:ext cx="455523" cy="4138071"/>
+            <a:off x="4238188" y="-440833"/>
+            <a:ext cx="335625" cy="3347496"/>
           </a:xfrm>
           <a:prstGeom prst="bentConnector2">
             <a:avLst/>
@@ -4990,7 +4990,7 @@
         <p:spPr>
           <a:xfrm>
             <a:off x="3516664" y="1734663"/>
-            <a:ext cx="3190675" cy="491937"/>
+            <a:ext cx="2350801" cy="482971"/>
           </a:xfrm>
           <a:prstGeom prst="bentConnector2">
             <a:avLst/>
